--- a/Afbeeldingen LocationT.pptx
+++ b/Afbeeldingen LocationT.pptx
@@ -9,6 +9,7 @@
     <p:sldId id="258" r:id="rId3"/>
     <p:sldId id="259" r:id="rId4"/>
     <p:sldId id="260" r:id="rId5"/>
+    <p:sldId id="261" r:id="rId6"/>
   </p:sldIdLst>
   <p:sldSz cx="12192000" cy="6858000"/>
   <p:notesSz cx="6858000" cy="9144000"/>
@@ -5105,10 +5106,673 @@
           </a:p>
         </p:txBody>
       </p:sp>
+      <p:sp>
+        <p:nvSpPr>
+          <p:cNvPr id="16" name="Tekstvak 15"/>
+          <p:cNvSpPr txBox="1"/>
+          <p:nvPr/>
+        </p:nvSpPr>
+        <p:spPr>
+          <a:xfrm>
+            <a:off x="3758570" y="2729534"/>
+            <a:ext cx="2559099" cy="369332"/>
+          </a:xfrm>
+          <a:prstGeom prst="rect">
+            <a:avLst/>
+          </a:prstGeom>
+          <a:noFill/>
+        </p:spPr>
+        <p:txBody>
+          <a:bodyPr wrap="none" rtlCol="0">
+            <a:spAutoFit/>
+          </a:bodyPr>
+          <a:lstStyle/>
+          <a:p>
+            <a:r>
+              <a:rPr lang="nl-NL" dirty="0" smtClean="0"/>
+              <a:t>(+) &lt;$&gt; pure 1 &lt;*&gt; pure 2</a:t>
+            </a:r>
+            <a:endParaRPr lang="nl-NL" dirty="0"/>
+          </a:p>
+        </p:txBody>
+      </p:sp>
+      <p:sp>
+        <p:nvSpPr>
+          <p:cNvPr id="41" name="Vierkante haak links 40"/>
+          <p:cNvSpPr/>
+          <p:nvPr/>
+        </p:nvSpPr>
+        <p:spPr>
+          <a:xfrm rot="5400000">
+            <a:off x="5811714" y="2299444"/>
+            <a:ext cx="220435" cy="588176"/>
+          </a:xfrm>
+          <a:prstGeom prst="leftBracket">
+            <a:avLst/>
+          </a:prstGeom>
+          <a:ln w="38100"/>
+        </p:spPr>
+        <p:style>
+          <a:lnRef idx="1">
+            <a:schemeClr val="accent1"/>
+          </a:lnRef>
+          <a:fillRef idx="0">
+            <a:schemeClr val="accent1"/>
+          </a:fillRef>
+          <a:effectRef idx="0">
+            <a:schemeClr val="accent1"/>
+          </a:effectRef>
+          <a:fontRef idx="minor">
+            <a:schemeClr val="tx1"/>
+          </a:fontRef>
+        </p:style>
+        <p:txBody>
+          <a:bodyPr rtlCol="0" anchor="ctr"/>
+          <a:lstStyle/>
+          <a:p>
+            <a:pPr algn="ctr"/>
+            <a:endParaRPr lang="nl-NL"/>
+          </a:p>
+        </p:txBody>
+      </p:sp>
+      <p:sp>
+        <p:nvSpPr>
+          <p:cNvPr id="42" name="Vierkante haak links 41"/>
+          <p:cNvSpPr/>
+          <p:nvPr/>
+        </p:nvSpPr>
+        <p:spPr>
+          <a:xfrm rot="16200000">
+            <a:off x="4927902" y="2803275"/>
+            <a:ext cx="220435" cy="2361952"/>
+          </a:xfrm>
+          <a:prstGeom prst="leftBracket">
+            <a:avLst/>
+          </a:prstGeom>
+          <a:ln w="38100"/>
+        </p:spPr>
+        <p:style>
+          <a:lnRef idx="1">
+            <a:schemeClr val="accent1"/>
+          </a:lnRef>
+          <a:fillRef idx="0">
+            <a:schemeClr val="accent1"/>
+          </a:fillRef>
+          <a:effectRef idx="0">
+            <a:schemeClr val="accent1"/>
+          </a:effectRef>
+          <a:fontRef idx="minor">
+            <a:schemeClr val="tx1"/>
+          </a:fontRef>
+        </p:style>
+        <p:txBody>
+          <a:bodyPr rtlCol="0" anchor="ctr"/>
+          <a:lstStyle/>
+          <a:p>
+            <a:pPr algn="ctr"/>
+            <a:endParaRPr lang="nl-NL"/>
+          </a:p>
+        </p:txBody>
+      </p:sp>
+      <p:cxnSp>
+        <p:nvCxnSpPr>
+          <p:cNvPr id="43" name="Kromme verbindingslijn 42"/>
+          <p:cNvCxnSpPr>
+            <a:stCxn id="41" idx="1"/>
+            <a:endCxn id="42" idx="1"/>
+          </p:cNvCxnSpPr>
+          <p:nvPr/>
+        </p:nvCxnSpPr>
+        <p:spPr>
+          <a:xfrm rot="16200000" flipH="1" flipV="1">
+            <a:off x="4674449" y="2846986"/>
+            <a:ext cx="1611154" cy="883812"/>
+          </a:xfrm>
+          <a:prstGeom prst="curvedConnector5">
+            <a:avLst>
+              <a:gd name="adj1" fmla="val -14189"/>
+              <a:gd name="adj2" fmla="val -93696"/>
+              <a:gd name="adj3" fmla="val 114189"/>
+            </a:avLst>
+          </a:prstGeom>
+          <a:ln w="19050">
+            <a:headEnd type="none" w="med" len="med"/>
+            <a:tailEnd type="arrow" w="med" len="med"/>
+          </a:ln>
+        </p:spPr>
+        <p:style>
+          <a:lnRef idx="1">
+            <a:schemeClr val="accent1"/>
+          </a:lnRef>
+          <a:fillRef idx="0">
+            <a:schemeClr val="accent1"/>
+          </a:fillRef>
+          <a:effectRef idx="0">
+            <a:schemeClr val="accent1"/>
+          </a:effectRef>
+          <a:fontRef idx="minor">
+            <a:schemeClr val="tx1"/>
+          </a:fontRef>
+        </p:style>
+      </p:cxnSp>
+      <p:sp>
+        <p:nvSpPr>
+          <p:cNvPr id="45" name="Vierkante haak links 44"/>
+          <p:cNvSpPr/>
+          <p:nvPr/>
+        </p:nvSpPr>
+        <p:spPr>
+          <a:xfrm rot="5400000">
+            <a:off x="4758126" y="2299443"/>
+            <a:ext cx="220435" cy="588176"/>
+          </a:xfrm>
+          <a:prstGeom prst="leftBracket">
+            <a:avLst/>
+          </a:prstGeom>
+          <a:ln w="38100"/>
+        </p:spPr>
+        <p:style>
+          <a:lnRef idx="1">
+            <a:schemeClr val="accent1"/>
+          </a:lnRef>
+          <a:fillRef idx="0">
+            <a:schemeClr val="accent1"/>
+          </a:fillRef>
+          <a:effectRef idx="0">
+            <a:schemeClr val="accent1"/>
+          </a:effectRef>
+          <a:fontRef idx="minor">
+            <a:schemeClr val="tx1"/>
+          </a:fontRef>
+        </p:style>
+        <p:txBody>
+          <a:bodyPr rtlCol="0" anchor="ctr"/>
+          <a:lstStyle/>
+          <a:p>
+            <a:pPr algn="ctr"/>
+            <a:endParaRPr lang="nl-NL"/>
+          </a:p>
+        </p:txBody>
+      </p:sp>
+      <p:cxnSp>
+        <p:nvCxnSpPr>
+          <p:cNvPr id="48" name="Kromme verbindingslijn 47"/>
+          <p:cNvCxnSpPr>
+            <a:stCxn id="45" idx="1"/>
+            <a:endCxn id="54" idx="1"/>
+          </p:cNvCxnSpPr>
+          <p:nvPr/>
+        </p:nvCxnSpPr>
+        <p:spPr>
+          <a:xfrm rot="16200000" flipH="1" flipV="1">
+            <a:off x="4271368" y="2720196"/>
+            <a:ext cx="833858" cy="360094"/>
+          </a:xfrm>
+          <a:prstGeom prst="curvedConnector5">
+            <a:avLst>
+              <a:gd name="adj1" fmla="val -27415"/>
+              <a:gd name="adj2" fmla="val 363890"/>
+              <a:gd name="adj3" fmla="val 127415"/>
+            </a:avLst>
+          </a:prstGeom>
+          <a:ln w="19050">
+            <a:headEnd type="none" w="med" len="med"/>
+            <a:tailEnd type="arrow" w="med" len="med"/>
+          </a:ln>
+        </p:spPr>
+        <p:style>
+          <a:lnRef idx="1">
+            <a:schemeClr val="accent1"/>
+          </a:lnRef>
+          <a:fillRef idx="0">
+            <a:schemeClr val="accent1"/>
+          </a:fillRef>
+          <a:effectRef idx="0">
+            <a:schemeClr val="accent1"/>
+          </a:effectRef>
+          <a:fontRef idx="minor">
+            <a:schemeClr val="tx1"/>
+          </a:fontRef>
+        </p:style>
+      </p:cxnSp>
+      <p:sp>
+        <p:nvSpPr>
+          <p:cNvPr id="54" name="Vierkante haak links 53"/>
+          <p:cNvSpPr/>
+          <p:nvPr/>
+        </p:nvSpPr>
+        <p:spPr>
+          <a:xfrm rot="16200000">
+            <a:off x="4398032" y="2552772"/>
+            <a:ext cx="220435" cy="1308365"/>
+          </a:xfrm>
+          <a:prstGeom prst="leftBracket">
+            <a:avLst/>
+          </a:prstGeom>
+          <a:ln w="38100"/>
+        </p:spPr>
+        <p:style>
+          <a:lnRef idx="1">
+            <a:schemeClr val="accent1"/>
+          </a:lnRef>
+          <a:fillRef idx="0">
+            <a:schemeClr val="accent1"/>
+          </a:fillRef>
+          <a:effectRef idx="0">
+            <a:schemeClr val="accent1"/>
+          </a:effectRef>
+          <a:fontRef idx="minor">
+            <a:schemeClr val="tx1"/>
+          </a:fontRef>
+        </p:style>
+        <p:txBody>
+          <a:bodyPr rtlCol="0" anchor="ctr"/>
+          <a:lstStyle/>
+          <a:p>
+            <a:pPr algn="ctr"/>
+            <a:endParaRPr lang="nl-NL"/>
+          </a:p>
+        </p:txBody>
+      </p:sp>
+      <p:cxnSp>
+        <p:nvCxnSpPr>
+          <p:cNvPr id="62" name="Kromme verbindingslijn 61"/>
+          <p:cNvCxnSpPr>
+            <a:stCxn id="54" idx="0"/>
+            <a:endCxn id="42" idx="1"/>
+          </p:cNvCxnSpPr>
+          <p:nvPr/>
+        </p:nvCxnSpPr>
+        <p:spPr>
+          <a:xfrm>
+            <a:off x="3854067" y="3096737"/>
+            <a:ext cx="1184053" cy="997732"/>
+          </a:xfrm>
+          <a:prstGeom prst="curvedConnector4">
+            <a:avLst>
+              <a:gd name="adj1" fmla="val -42708"/>
+              <a:gd name="adj2" fmla="val 122912"/>
+            </a:avLst>
+          </a:prstGeom>
+          <a:ln w="19050">
+            <a:headEnd type="none" w="med" len="med"/>
+            <a:tailEnd type="arrow" w="med" len="med"/>
+          </a:ln>
+        </p:spPr>
+        <p:style>
+          <a:lnRef idx="1">
+            <a:schemeClr val="accent1"/>
+          </a:lnRef>
+          <a:fillRef idx="0">
+            <a:schemeClr val="accent1"/>
+          </a:fillRef>
+          <a:effectRef idx="0">
+            <a:schemeClr val="accent1"/>
+          </a:effectRef>
+          <a:fontRef idx="minor">
+            <a:schemeClr val="tx1"/>
+          </a:fontRef>
+        </p:style>
+      </p:cxnSp>
     </p:spTree>
     <p:extLst>
       <p:ext uri="{BB962C8B-B14F-4D97-AF65-F5344CB8AC3E}">
         <p14:creationId xmlns:p14="http://schemas.microsoft.com/office/powerpoint/2010/main" val="1135684080"/>
+      </p:ext>
+    </p:extLst>
+  </p:cSld>
+  <p:clrMapOvr>
+    <a:masterClrMapping/>
+  </p:clrMapOvr>
+</p:sld>
+</file>
+
+<file path=ppt/slides/slide5.xml><?xml version="1.0" encoding="utf-8"?>
+<p:sld xmlns:a="http://schemas.openxmlformats.org/drawingml/2006/main" xmlns:r="http://schemas.openxmlformats.org/officeDocument/2006/relationships" xmlns:p="http://schemas.openxmlformats.org/presentationml/2006/main">
+  <p:cSld>
+    <p:spTree>
+      <p:nvGrpSpPr>
+        <p:cNvPr id="1" name=""/>
+        <p:cNvGrpSpPr/>
+        <p:nvPr/>
+      </p:nvGrpSpPr>
+      <p:grpSpPr>
+        <a:xfrm>
+          <a:off x="0" y="0"/>
+          <a:ext cx="0" cy="0"/>
+          <a:chOff x="0" y="0"/>
+          <a:chExt cx="0" cy="0"/>
+        </a:xfrm>
+      </p:grpSpPr>
+      <p:sp>
+        <p:nvSpPr>
+          <p:cNvPr id="18" name="Ovaal 17"/>
+          <p:cNvSpPr/>
+          <p:nvPr/>
+        </p:nvSpPr>
+        <p:spPr>
+          <a:xfrm>
+            <a:off x="2106389" y="2106532"/>
+            <a:ext cx="534256" cy="513707"/>
+          </a:xfrm>
+          <a:prstGeom prst="ellipse">
+            <a:avLst/>
+          </a:prstGeom>
+        </p:spPr>
+        <p:style>
+          <a:lnRef idx="2">
+            <a:schemeClr val="accent6"/>
+          </a:lnRef>
+          <a:fillRef idx="1">
+            <a:schemeClr val="lt1"/>
+          </a:fillRef>
+          <a:effectRef idx="0">
+            <a:schemeClr val="accent6"/>
+          </a:effectRef>
+          <a:fontRef idx="minor">
+            <a:schemeClr val="dk1"/>
+          </a:fontRef>
+        </p:style>
+        <p:txBody>
+          <a:bodyPr lIns="36000" rIns="36000" rtlCol="0" anchor="ctr"/>
+          <a:lstStyle/>
+          <a:p>
+            <a:pPr algn="ctr"/>
+            <a:endParaRPr lang="nl-NL" sz="1000" dirty="0"/>
+          </a:p>
+        </p:txBody>
+      </p:sp>
+      <p:cxnSp>
+        <p:nvCxnSpPr>
+          <p:cNvPr id="23" name="Rechte verbindingslijn met pijl 22"/>
+          <p:cNvCxnSpPr>
+            <a:stCxn id="18" idx="4"/>
+            <a:endCxn id="25" idx="0"/>
+          </p:cNvCxnSpPr>
+          <p:nvPr/>
+        </p:nvCxnSpPr>
+        <p:spPr>
+          <a:xfrm>
+            <a:off x="2373517" y="2620239"/>
+            <a:ext cx="0" cy="441886"/>
+          </a:xfrm>
+          <a:prstGeom prst="straightConnector1">
+            <a:avLst/>
+          </a:prstGeom>
+          <a:ln w="19050">
+            <a:tailEnd type="triangle"/>
+          </a:ln>
+        </p:spPr>
+        <p:style>
+          <a:lnRef idx="1">
+            <a:schemeClr val="accent1"/>
+          </a:lnRef>
+          <a:fillRef idx="0">
+            <a:schemeClr val="accent1"/>
+          </a:fillRef>
+          <a:effectRef idx="0">
+            <a:schemeClr val="accent1"/>
+          </a:effectRef>
+          <a:fontRef idx="minor">
+            <a:schemeClr val="tx1"/>
+          </a:fontRef>
+        </p:style>
+      </p:cxnSp>
+      <p:sp>
+        <p:nvSpPr>
+          <p:cNvPr id="25" name="Ovaal 24"/>
+          <p:cNvSpPr/>
+          <p:nvPr/>
+        </p:nvSpPr>
+        <p:spPr>
+          <a:xfrm>
+            <a:off x="2106389" y="3062125"/>
+            <a:ext cx="534256" cy="513707"/>
+          </a:xfrm>
+          <a:prstGeom prst="ellipse">
+            <a:avLst/>
+          </a:prstGeom>
+        </p:spPr>
+        <p:style>
+          <a:lnRef idx="2">
+            <a:schemeClr val="accent6"/>
+          </a:lnRef>
+          <a:fillRef idx="1">
+            <a:schemeClr val="lt1"/>
+          </a:fillRef>
+          <a:effectRef idx="0">
+            <a:schemeClr val="accent6"/>
+          </a:effectRef>
+          <a:fontRef idx="minor">
+            <a:schemeClr val="dk1"/>
+          </a:fontRef>
+        </p:style>
+        <p:txBody>
+          <a:bodyPr lIns="36000" rIns="36000" rtlCol="0" anchor="ctr"/>
+          <a:lstStyle/>
+          <a:p>
+            <a:pPr algn="ctr"/>
+            <a:endParaRPr lang="nl-NL" sz="1000" dirty="0"/>
+          </a:p>
+        </p:txBody>
+      </p:sp>
+      <p:cxnSp>
+        <p:nvCxnSpPr>
+          <p:cNvPr id="29" name="Rechte verbindingslijn met pijl 28"/>
+          <p:cNvCxnSpPr>
+            <a:endCxn id="35" idx="0"/>
+          </p:cNvCxnSpPr>
+          <p:nvPr/>
+        </p:nvCxnSpPr>
+        <p:spPr>
+          <a:xfrm>
+            <a:off x="2373517" y="3575832"/>
+            <a:ext cx="0" cy="370064"/>
+          </a:xfrm>
+          <a:prstGeom prst="straightConnector1">
+            <a:avLst/>
+          </a:prstGeom>
+          <a:ln w="19050">
+            <a:tailEnd type="triangle"/>
+          </a:ln>
+        </p:spPr>
+        <p:style>
+          <a:lnRef idx="1">
+            <a:schemeClr val="accent1"/>
+          </a:lnRef>
+          <a:fillRef idx="0">
+            <a:schemeClr val="accent1"/>
+          </a:fillRef>
+          <a:effectRef idx="0">
+            <a:schemeClr val="accent1"/>
+          </a:effectRef>
+          <a:fontRef idx="minor">
+            <a:schemeClr val="tx1"/>
+          </a:fontRef>
+        </p:style>
+      </p:cxnSp>
+      <p:sp>
+        <p:nvSpPr>
+          <p:cNvPr id="35" name="Ovaal 34"/>
+          <p:cNvSpPr/>
+          <p:nvPr/>
+        </p:nvSpPr>
+        <p:spPr>
+          <a:xfrm>
+            <a:off x="2106389" y="3945896"/>
+            <a:ext cx="534256" cy="513707"/>
+          </a:xfrm>
+          <a:prstGeom prst="ellipse">
+            <a:avLst/>
+          </a:prstGeom>
+        </p:spPr>
+        <p:style>
+          <a:lnRef idx="2">
+            <a:schemeClr val="accent6"/>
+          </a:lnRef>
+          <a:fillRef idx="1">
+            <a:schemeClr val="lt1"/>
+          </a:fillRef>
+          <a:effectRef idx="0">
+            <a:schemeClr val="accent6"/>
+          </a:effectRef>
+          <a:fontRef idx="minor">
+            <a:schemeClr val="dk1"/>
+          </a:fontRef>
+        </p:style>
+        <p:txBody>
+          <a:bodyPr lIns="36000" rIns="36000" rtlCol="0" anchor="ctr"/>
+          <a:lstStyle/>
+          <a:p>
+            <a:pPr algn="ctr"/>
+            <a:endParaRPr lang="nl-NL" sz="1000" dirty="0"/>
+          </a:p>
+        </p:txBody>
+      </p:sp>
+      <p:sp>
+        <p:nvSpPr>
+          <p:cNvPr id="2" name="Tekstvak 1"/>
+          <p:cNvSpPr txBox="1"/>
+          <p:nvPr/>
+        </p:nvSpPr>
+        <p:spPr>
+          <a:xfrm>
+            <a:off x="2640645" y="1581371"/>
+            <a:ext cx="1116011" cy="369332"/>
+          </a:xfrm>
+          <a:prstGeom prst="rect">
+            <a:avLst/>
+          </a:prstGeom>
+          <a:noFill/>
+        </p:spPr>
+        <p:txBody>
+          <a:bodyPr wrap="none" rtlCol="0">
+            <a:spAutoFit/>
+          </a:bodyPr>
+          <a:lstStyle/>
+          <a:p>
+            <a:r>
+              <a:rPr lang="nl-NL" dirty="0" err="1"/>
+              <a:t>f</a:t>
+            </a:r>
+            <a:r>
+              <a:rPr lang="nl-NL" dirty="0" err="1" smtClean="0"/>
+              <a:t>un</a:t>
+            </a:r>
+            <a:r>
+              <a:rPr lang="nl-NL" dirty="0" smtClean="0"/>
+              <a:t> x = do</a:t>
+            </a:r>
+            <a:endParaRPr lang="nl-NL" dirty="0"/>
+          </a:p>
+        </p:txBody>
+      </p:sp>
+      <p:sp>
+        <p:nvSpPr>
+          <p:cNvPr id="3" name="Tekstvak 2"/>
+          <p:cNvSpPr txBox="1"/>
+          <p:nvPr/>
+        </p:nvSpPr>
+        <p:spPr>
+          <a:xfrm>
+            <a:off x="2973269" y="2178719"/>
+            <a:ext cx="803425" cy="369332"/>
+          </a:xfrm>
+          <a:prstGeom prst="rect">
+            <a:avLst/>
+          </a:prstGeom>
+          <a:noFill/>
+        </p:spPr>
+        <p:txBody>
+          <a:bodyPr wrap="none" rtlCol="0">
+            <a:spAutoFit/>
+          </a:bodyPr>
+          <a:lstStyle/>
+          <a:p>
+            <a:r>
+              <a:rPr lang="nl-NL" dirty="0" smtClean="0"/>
+              <a:t>y &lt;- f x</a:t>
+            </a:r>
+            <a:endParaRPr lang="nl-NL" dirty="0"/>
+          </a:p>
+        </p:txBody>
+      </p:sp>
+      <p:sp>
+        <p:nvSpPr>
+          <p:cNvPr id="4" name="Tekstvak 3"/>
+          <p:cNvSpPr txBox="1"/>
+          <p:nvPr/>
+        </p:nvSpPr>
+        <p:spPr>
+          <a:xfrm>
+            <a:off x="2973269" y="3145399"/>
+            <a:ext cx="833883" cy="369332"/>
+          </a:xfrm>
+          <a:prstGeom prst="rect">
+            <a:avLst/>
+          </a:prstGeom>
+          <a:noFill/>
+        </p:spPr>
+        <p:txBody>
+          <a:bodyPr wrap="none" rtlCol="0">
+            <a:spAutoFit/>
+          </a:bodyPr>
+          <a:lstStyle/>
+          <a:p>
+            <a:r>
+              <a:rPr lang="nl-NL" dirty="0" err="1" smtClean="0"/>
+              <a:t>z</a:t>
+            </a:r>
+            <a:r>
+              <a:rPr lang="nl-NL" dirty="0" smtClean="0"/>
+              <a:t> &lt;- g y</a:t>
+            </a:r>
+            <a:endParaRPr lang="nl-NL" dirty="0"/>
+          </a:p>
+        </p:txBody>
+      </p:sp>
+      <p:sp>
+        <p:nvSpPr>
+          <p:cNvPr id="5" name="Tekstvak 4"/>
+          <p:cNvSpPr txBox="1"/>
+          <p:nvPr/>
+        </p:nvSpPr>
+        <p:spPr>
+          <a:xfrm>
+            <a:off x="2973269" y="4018082"/>
+            <a:ext cx="450764" cy="369332"/>
+          </a:xfrm>
+          <a:prstGeom prst="rect">
+            <a:avLst/>
+          </a:prstGeom>
+          <a:noFill/>
+        </p:spPr>
+        <p:txBody>
+          <a:bodyPr wrap="none" rtlCol="0">
+            <a:spAutoFit/>
+          </a:bodyPr>
+          <a:lstStyle/>
+          <a:p>
+            <a:r>
+              <a:rPr lang="nl-NL" dirty="0"/>
+              <a:t>h</a:t>
+            </a:r>
+            <a:r>
+              <a:rPr lang="nl-NL" dirty="0" smtClean="0"/>
+              <a:t> </a:t>
+            </a:r>
+            <a:r>
+              <a:rPr lang="nl-NL" dirty="0" err="1" smtClean="0"/>
+              <a:t>z</a:t>
+            </a:r>
+            <a:endParaRPr lang="nl-NL" dirty="0"/>
+          </a:p>
+        </p:txBody>
+      </p:sp>
+    </p:spTree>
+    <p:extLst>
+      <p:ext uri="{BB962C8B-B14F-4D97-AF65-F5344CB8AC3E}">
+        <p14:creationId xmlns:p14="http://schemas.microsoft.com/office/powerpoint/2010/main" val="1294310226"/>
       </p:ext>
     </p:extLst>
   </p:cSld>

--- a/Afbeeldingen LocationT.pptx
+++ b/Afbeeldingen LocationT.pptx
@@ -10,6 +10,9 @@
     <p:sldId id="259" r:id="rId4"/>
     <p:sldId id="260" r:id="rId5"/>
     <p:sldId id="261" r:id="rId6"/>
+    <p:sldId id="263" r:id="rId7"/>
+    <p:sldId id="262" r:id="rId8"/>
+    <p:sldId id="264" r:id="rId9"/>
   </p:sldIdLst>
   <p:sldSz cx="12192000" cy="6858000"/>
   <p:notesSz cx="6858000" cy="9144000"/>
@@ -5494,7 +5497,7 @@
         <p:spPr>
           <a:xfrm>
             <a:off x="2373517" y="2620239"/>
-            <a:ext cx="0" cy="441886"/>
+            <a:ext cx="0" cy="410136"/>
           </a:xfrm>
           <a:prstGeom prst="straightConnector1">
             <a:avLst/>
@@ -5526,7 +5529,7 @@
         </p:nvSpPr>
         <p:spPr>
           <a:xfrm>
-            <a:off x="2106389" y="3062125"/>
+            <a:off x="2106389" y="3030375"/>
             <a:ext cx="534256" cy="513707"/>
           </a:xfrm>
           <a:prstGeom prst="ellipse">
@@ -5556,50 +5559,254 @@
           </a:p>
         </p:txBody>
       </p:sp>
-      <p:cxnSp>
-        <p:nvCxnSpPr>
-          <p:cNvPr id="29" name="Rechte verbindingslijn met pijl 28"/>
-          <p:cNvCxnSpPr>
-            <a:endCxn id="35" idx="0"/>
-          </p:cNvCxnSpPr>
-          <p:nvPr/>
-        </p:nvCxnSpPr>
-        <p:spPr>
-          <a:xfrm>
-            <a:off x="2373517" y="3575832"/>
-            <a:ext cx="0" cy="370064"/>
-          </a:xfrm>
-          <a:prstGeom prst="straightConnector1">
-            <a:avLst/>
-          </a:prstGeom>
-          <a:ln w="19050">
-            <a:tailEnd type="triangle"/>
-          </a:ln>
+      <p:sp>
+        <p:nvSpPr>
+          <p:cNvPr id="2" name="Tekstvak 1"/>
+          <p:cNvSpPr txBox="1"/>
+          <p:nvPr/>
+        </p:nvSpPr>
+        <p:spPr>
+          <a:xfrm>
+            <a:off x="2640645" y="1581371"/>
+            <a:ext cx="1116011" cy="369332"/>
+          </a:xfrm>
+          <a:prstGeom prst="rect">
+            <a:avLst/>
+          </a:prstGeom>
+          <a:noFill/>
+        </p:spPr>
+        <p:txBody>
+          <a:bodyPr wrap="none" rtlCol="0">
+            <a:spAutoFit/>
+          </a:bodyPr>
+          <a:lstStyle/>
+          <a:p>
+            <a:r>
+              <a:rPr lang="nl-NL" dirty="0" err="1"/>
+              <a:t>f</a:t>
+            </a:r>
+            <a:r>
+              <a:rPr lang="nl-NL" dirty="0" err="1" smtClean="0"/>
+              <a:t>un</a:t>
+            </a:r>
+            <a:r>
+              <a:rPr lang="nl-NL" dirty="0" smtClean="0"/>
+              <a:t> x = do</a:t>
+            </a:r>
+            <a:endParaRPr lang="nl-NL" dirty="0"/>
+          </a:p>
+        </p:txBody>
+      </p:sp>
+      <p:sp>
+        <p:nvSpPr>
+          <p:cNvPr id="3" name="Tekstvak 2"/>
+          <p:cNvSpPr txBox="1"/>
+          <p:nvPr/>
+        </p:nvSpPr>
+        <p:spPr>
+          <a:xfrm>
+            <a:off x="2973269" y="2178719"/>
+            <a:ext cx="803425" cy="369332"/>
+          </a:xfrm>
+          <a:prstGeom prst="rect">
+            <a:avLst/>
+          </a:prstGeom>
+          <a:noFill/>
+        </p:spPr>
+        <p:txBody>
+          <a:bodyPr wrap="none" rtlCol="0">
+            <a:spAutoFit/>
+          </a:bodyPr>
+          <a:lstStyle/>
+          <a:p>
+            <a:r>
+              <a:rPr lang="nl-NL" dirty="0" smtClean="0"/>
+              <a:t>y &lt;- f x</a:t>
+            </a:r>
+            <a:endParaRPr lang="nl-NL" dirty="0"/>
+          </a:p>
+        </p:txBody>
+      </p:sp>
+      <p:sp>
+        <p:nvSpPr>
+          <p:cNvPr id="4" name="Tekstvak 3"/>
+          <p:cNvSpPr txBox="1"/>
+          <p:nvPr/>
+        </p:nvSpPr>
+        <p:spPr>
+          <a:xfrm>
+            <a:off x="2973269" y="3030375"/>
+            <a:ext cx="450764" cy="369332"/>
+          </a:xfrm>
+          <a:prstGeom prst="rect">
+            <a:avLst/>
+          </a:prstGeom>
+          <a:noFill/>
+        </p:spPr>
+        <p:txBody>
+          <a:bodyPr wrap="none" rtlCol="0">
+            <a:spAutoFit/>
+          </a:bodyPr>
+          <a:lstStyle/>
+          <a:p>
+            <a:r>
+              <a:rPr lang="nl-NL" dirty="0" smtClean="0"/>
+              <a:t>g y</a:t>
+            </a:r>
+            <a:endParaRPr lang="nl-NL" dirty="0"/>
+          </a:p>
+        </p:txBody>
+      </p:sp>
+      <p:sp>
+        <p:nvSpPr>
+          <p:cNvPr id="44" name="Tekstvak 43"/>
+          <p:cNvSpPr txBox="1"/>
+          <p:nvPr/>
+        </p:nvSpPr>
+        <p:spPr>
+          <a:xfrm>
+            <a:off x="2376369" y="2592225"/>
+            <a:ext cx="492058" cy="369332"/>
+          </a:xfrm>
+          <a:prstGeom prst="rect">
+            <a:avLst/>
+          </a:prstGeom>
+          <a:noFill/>
+        </p:spPr>
+        <p:txBody>
+          <a:bodyPr wrap="none" rtlCol="0">
+            <a:spAutoFit/>
+          </a:bodyPr>
+          <a:lstStyle/>
+          <a:p>
+            <a:r>
+              <a:rPr lang="nl-NL" dirty="0" smtClean="0"/>
+              <a:t>“g”</a:t>
+            </a:r>
+            <a:endParaRPr lang="nl-NL" dirty="0"/>
+          </a:p>
+        </p:txBody>
+      </p:sp>
+      <p:sp>
+        <p:nvSpPr>
+          <p:cNvPr id="46" name="Tekstvak 45"/>
+          <p:cNvSpPr txBox="1"/>
+          <p:nvPr/>
+        </p:nvSpPr>
+        <p:spPr>
+          <a:xfrm>
+            <a:off x="824545" y="1585369"/>
+            <a:ext cx="1351652" cy="369332"/>
+          </a:xfrm>
+          <a:prstGeom prst="rect">
+            <a:avLst/>
+          </a:prstGeom>
+          <a:noFill/>
+        </p:spPr>
+        <p:txBody>
+          <a:bodyPr wrap="none" rtlCol="0">
+            <a:spAutoFit/>
+          </a:bodyPr>
+          <a:lstStyle/>
+          <a:p>
+            <a:r>
+              <a:rPr lang="nl-NL" dirty="0" err="1" smtClean="0"/>
+              <a:t>fun</a:t>
+            </a:r>
+            <a:r>
+              <a:rPr lang="nl-NL" dirty="0" smtClean="0"/>
+              <a:t> = f &gt;=&gt; g</a:t>
+            </a:r>
+            <a:endParaRPr lang="nl-NL" dirty="0"/>
+          </a:p>
+        </p:txBody>
+      </p:sp>
+      <p:sp>
+        <p:nvSpPr>
+          <p:cNvPr id="14" name="Gelijk aan 13"/>
+          <p:cNvSpPr/>
+          <p:nvPr/>
+        </p:nvSpPr>
+        <p:spPr>
+          <a:xfrm>
+            <a:off x="2201375" y="1631237"/>
+            <a:ext cx="344283" cy="267953"/>
+          </a:xfrm>
+          <a:prstGeom prst="mathEqual">
+            <a:avLst>
+              <a:gd name="adj1" fmla="val 23520"/>
+              <a:gd name="adj2" fmla="val 16500"/>
+            </a:avLst>
+          </a:prstGeom>
         </p:spPr>
         <p:style>
-          <a:lnRef idx="1">
-            <a:schemeClr val="accent1"/>
+          <a:lnRef idx="2">
+            <a:schemeClr val="accent1">
+              <a:shade val="50000"/>
+            </a:schemeClr>
           </a:lnRef>
-          <a:fillRef idx="0">
+          <a:fillRef idx="1">
             <a:schemeClr val="accent1"/>
           </a:fillRef>
           <a:effectRef idx="0">
             <a:schemeClr val="accent1"/>
           </a:effectRef>
           <a:fontRef idx="minor">
-            <a:schemeClr val="tx1"/>
+            <a:schemeClr val="lt1"/>
           </a:fontRef>
         </p:style>
-      </p:cxnSp>
-      <p:sp>
-        <p:nvSpPr>
-          <p:cNvPr id="35" name="Ovaal 34"/>
+        <p:txBody>
+          <a:bodyPr rtlCol="0" anchor="ctr"/>
+          <a:lstStyle/>
+          <a:p>
+            <a:pPr algn="ctr"/>
+            <a:endParaRPr lang="nl-NL">
+              <a:solidFill>
+                <a:schemeClr val="tx1"/>
+              </a:solidFill>
+            </a:endParaRPr>
+          </a:p>
+        </p:txBody>
+      </p:sp>
+    </p:spTree>
+    <p:extLst>
+      <p:ext uri="{BB962C8B-B14F-4D97-AF65-F5344CB8AC3E}">
+        <p14:creationId xmlns:p14="http://schemas.microsoft.com/office/powerpoint/2010/main" val="1294310226"/>
+      </p:ext>
+    </p:extLst>
+  </p:cSld>
+  <p:clrMapOvr>
+    <a:masterClrMapping/>
+  </p:clrMapOvr>
+</p:sld>
+</file>
+
+<file path=ppt/slides/slide6.xml><?xml version="1.0" encoding="utf-8"?>
+<p:sld xmlns:a="http://schemas.openxmlformats.org/drawingml/2006/main" xmlns:r="http://schemas.openxmlformats.org/officeDocument/2006/relationships" xmlns:p="http://schemas.openxmlformats.org/presentationml/2006/main">
+  <p:cSld>
+    <p:spTree>
+      <p:nvGrpSpPr>
+        <p:cNvPr id="1" name=""/>
+        <p:cNvGrpSpPr/>
+        <p:nvPr/>
+      </p:nvGrpSpPr>
+      <p:grpSpPr>
+        <a:xfrm>
+          <a:off x="0" y="0"/>
+          <a:ext cx="0" cy="0"/>
+          <a:chOff x="0" y="0"/>
+          <a:chExt cx="0" cy="0"/>
+        </a:xfrm>
+      </p:grpSpPr>
+      <p:sp>
+        <p:nvSpPr>
+          <p:cNvPr id="18" name="Ovaal 17"/>
           <p:cNvSpPr/>
           <p:nvPr/>
         </p:nvSpPr>
         <p:spPr>
           <a:xfrm>
-            <a:off x="2106389" y="3945896"/>
+            <a:off x="2106389" y="2106532"/>
             <a:ext cx="534256" cy="513707"/>
           </a:xfrm>
           <a:prstGeom prst="ellipse">
@@ -5629,6 +5836,118 @@
           </a:p>
         </p:txBody>
       </p:sp>
+      <p:cxnSp>
+        <p:nvCxnSpPr>
+          <p:cNvPr id="23" name="Rechte verbindingslijn met pijl 22"/>
+          <p:cNvCxnSpPr>
+            <a:stCxn id="25" idx="4"/>
+            <a:endCxn id="35" idx="0"/>
+          </p:cNvCxnSpPr>
+          <p:nvPr/>
+        </p:nvCxnSpPr>
+        <p:spPr>
+          <a:xfrm>
+            <a:off x="2373517" y="3544082"/>
+            <a:ext cx="0" cy="401814"/>
+          </a:xfrm>
+          <a:prstGeom prst="straightConnector1">
+            <a:avLst/>
+          </a:prstGeom>
+          <a:ln w="19050">
+            <a:tailEnd type="triangle"/>
+          </a:ln>
+        </p:spPr>
+        <p:style>
+          <a:lnRef idx="1">
+            <a:schemeClr val="accent1"/>
+          </a:lnRef>
+          <a:fillRef idx="0">
+            <a:schemeClr val="accent1"/>
+          </a:fillRef>
+          <a:effectRef idx="0">
+            <a:schemeClr val="accent1"/>
+          </a:effectRef>
+          <a:fontRef idx="minor">
+            <a:schemeClr val="tx1"/>
+          </a:fontRef>
+        </p:style>
+      </p:cxnSp>
+      <p:sp>
+        <p:nvSpPr>
+          <p:cNvPr id="25" name="Ovaal 24"/>
+          <p:cNvSpPr/>
+          <p:nvPr/>
+        </p:nvSpPr>
+        <p:spPr>
+          <a:xfrm>
+            <a:off x="2106389" y="3030375"/>
+            <a:ext cx="534256" cy="513707"/>
+          </a:xfrm>
+          <a:prstGeom prst="ellipse">
+            <a:avLst/>
+          </a:prstGeom>
+        </p:spPr>
+        <p:style>
+          <a:lnRef idx="2">
+            <a:schemeClr val="accent6"/>
+          </a:lnRef>
+          <a:fillRef idx="1">
+            <a:schemeClr val="lt1"/>
+          </a:fillRef>
+          <a:effectRef idx="0">
+            <a:schemeClr val="accent6"/>
+          </a:effectRef>
+          <a:fontRef idx="minor">
+            <a:schemeClr val="dk1"/>
+          </a:fontRef>
+        </p:style>
+        <p:txBody>
+          <a:bodyPr lIns="36000" rIns="36000" rtlCol="0" anchor="ctr"/>
+          <a:lstStyle/>
+          <a:p>
+            <a:pPr algn="ctr"/>
+            <a:endParaRPr lang="nl-NL" sz="1000" dirty="0"/>
+          </a:p>
+        </p:txBody>
+      </p:sp>
+      <p:sp>
+        <p:nvSpPr>
+          <p:cNvPr id="35" name="Ovaal 34"/>
+          <p:cNvSpPr/>
+          <p:nvPr/>
+        </p:nvSpPr>
+        <p:spPr>
+          <a:xfrm>
+            <a:off x="2106389" y="3945896"/>
+            <a:ext cx="534256" cy="513707"/>
+          </a:xfrm>
+          <a:prstGeom prst="ellipse">
+            <a:avLst/>
+          </a:prstGeom>
+        </p:spPr>
+        <p:style>
+          <a:lnRef idx="2">
+            <a:schemeClr val="accent6"/>
+          </a:lnRef>
+          <a:fillRef idx="1">
+            <a:schemeClr val="lt1"/>
+          </a:fillRef>
+          <a:effectRef idx="0">
+            <a:schemeClr val="accent6"/>
+          </a:effectRef>
+          <a:fontRef idx="minor">
+            <a:schemeClr val="dk1"/>
+          </a:fontRef>
+        </p:style>
+        <p:txBody>
+          <a:bodyPr lIns="36000" rIns="36000" rtlCol="0" anchor="ctr"/>
+          <a:lstStyle/>
+          <a:p>
+            <a:pPr algn="ctr"/>
+            <a:endParaRPr lang="nl-NL" sz="1000" dirty="0"/>
+          </a:p>
+        </p:txBody>
+      </p:sp>
       <p:sp>
         <p:nvSpPr>
           <p:cNvPr id="2" name="Tekstvak 1"/>
@@ -5705,7 +6024,7 @@
         </p:nvSpPr>
         <p:spPr>
           <a:xfrm>
-            <a:off x="2973269" y="3145399"/>
+            <a:off x="2973269" y="3107299"/>
             <a:ext cx="833883" cy="369332"/>
           </a:xfrm>
           <a:prstGeom prst="rect">
@@ -5769,10 +6088,1138 @@
           </a:p>
         </p:txBody>
       </p:sp>
+      <p:cxnSp>
+        <p:nvCxnSpPr>
+          <p:cNvPr id="9" name="Kromme verbindingslijn 8"/>
+          <p:cNvCxnSpPr>
+            <a:stCxn id="18" idx="2"/>
+            <a:endCxn id="35" idx="2"/>
+          </p:cNvCxnSpPr>
+          <p:nvPr/>
+        </p:nvCxnSpPr>
+        <p:spPr>
+          <a:xfrm rot="10800000" flipV="1">
+            <a:off x="2106389" y="2363386"/>
+            <a:ext cx="12700" cy="1839364"/>
+          </a:xfrm>
+          <a:prstGeom prst="curvedConnector3">
+            <a:avLst>
+              <a:gd name="adj1" fmla="val 1800000"/>
+            </a:avLst>
+          </a:prstGeom>
+          <a:ln w="19050">
+            <a:tailEnd type="triangle"/>
+          </a:ln>
+        </p:spPr>
+        <p:style>
+          <a:lnRef idx="1">
+            <a:schemeClr val="accent1"/>
+          </a:lnRef>
+          <a:fillRef idx="0">
+            <a:schemeClr val="accent1"/>
+          </a:fillRef>
+          <a:effectRef idx="0">
+            <a:schemeClr val="accent1"/>
+          </a:effectRef>
+          <a:fontRef idx="minor">
+            <a:schemeClr val="tx1"/>
+          </a:fontRef>
+        </p:style>
+      </p:cxnSp>
+      <p:sp>
+        <p:nvSpPr>
+          <p:cNvPr id="11" name="Tekstvak 10"/>
+          <p:cNvSpPr txBox="1"/>
+          <p:nvPr/>
+        </p:nvSpPr>
+        <p:spPr>
+          <a:xfrm>
+            <a:off x="2415263" y="3560323"/>
+            <a:ext cx="498855" cy="369332"/>
+          </a:xfrm>
+          <a:prstGeom prst="rect">
+            <a:avLst/>
+          </a:prstGeom>
+          <a:noFill/>
+        </p:spPr>
+        <p:txBody>
+          <a:bodyPr wrap="none" rtlCol="0">
+            <a:spAutoFit/>
+          </a:bodyPr>
+          <a:lstStyle/>
+          <a:p>
+            <a:r>
+              <a:rPr lang="nl-NL" dirty="0" smtClean="0"/>
+              <a:t>“h”</a:t>
+            </a:r>
+            <a:endParaRPr lang="nl-NL" dirty="0"/>
+          </a:p>
+        </p:txBody>
+      </p:sp>
     </p:spTree>
     <p:extLst>
       <p:ext uri="{BB962C8B-B14F-4D97-AF65-F5344CB8AC3E}">
-        <p14:creationId xmlns:p14="http://schemas.microsoft.com/office/powerpoint/2010/main" val="1294310226"/>
+        <p14:creationId xmlns:p14="http://schemas.microsoft.com/office/powerpoint/2010/main" val="1877976154"/>
+      </p:ext>
+    </p:extLst>
+  </p:cSld>
+  <p:clrMapOvr>
+    <a:masterClrMapping/>
+  </p:clrMapOvr>
+</p:sld>
+</file>
+
+<file path=ppt/slides/slide7.xml><?xml version="1.0" encoding="utf-8"?>
+<p:sld xmlns:a="http://schemas.openxmlformats.org/drawingml/2006/main" xmlns:r="http://schemas.openxmlformats.org/officeDocument/2006/relationships" xmlns:p="http://schemas.openxmlformats.org/presentationml/2006/main">
+  <p:cSld>
+    <p:spTree>
+      <p:nvGrpSpPr>
+        <p:cNvPr id="1" name=""/>
+        <p:cNvGrpSpPr/>
+        <p:nvPr/>
+      </p:nvGrpSpPr>
+      <p:grpSpPr>
+        <a:xfrm>
+          <a:off x="0" y="0"/>
+          <a:ext cx="0" cy="0"/>
+          <a:chOff x="0" y="0"/>
+          <a:chExt cx="0" cy="0"/>
+        </a:xfrm>
+      </p:grpSpPr>
+      <p:sp>
+        <p:nvSpPr>
+          <p:cNvPr id="18" name="Ovaal 17"/>
+          <p:cNvSpPr/>
+          <p:nvPr/>
+        </p:nvSpPr>
+        <p:spPr>
+          <a:xfrm>
+            <a:off x="3858989" y="2106532"/>
+            <a:ext cx="534256" cy="513707"/>
+          </a:xfrm>
+          <a:prstGeom prst="ellipse">
+            <a:avLst/>
+          </a:prstGeom>
+        </p:spPr>
+        <p:style>
+          <a:lnRef idx="2">
+            <a:schemeClr val="accent6"/>
+          </a:lnRef>
+          <a:fillRef idx="1">
+            <a:schemeClr val="lt1"/>
+          </a:fillRef>
+          <a:effectRef idx="0">
+            <a:schemeClr val="accent6"/>
+          </a:effectRef>
+          <a:fontRef idx="minor">
+            <a:schemeClr val="dk1"/>
+          </a:fontRef>
+        </p:style>
+        <p:txBody>
+          <a:bodyPr lIns="36000" rIns="36000" rtlCol="0" anchor="ctr"/>
+          <a:lstStyle/>
+          <a:p>
+            <a:pPr algn="ctr"/>
+            <a:endParaRPr lang="nl-NL" sz="1000" dirty="0"/>
+          </a:p>
+        </p:txBody>
+      </p:sp>
+      <p:cxnSp>
+        <p:nvCxnSpPr>
+          <p:cNvPr id="23" name="Rechte verbindingslijn met pijl 22"/>
+          <p:cNvCxnSpPr>
+            <a:stCxn id="25" idx="4"/>
+            <a:endCxn id="35" idx="0"/>
+          </p:cNvCxnSpPr>
+          <p:nvPr/>
+        </p:nvCxnSpPr>
+        <p:spPr>
+          <a:xfrm>
+            <a:off x="3535567" y="3544082"/>
+            <a:ext cx="0" cy="401814"/>
+          </a:xfrm>
+          <a:prstGeom prst="straightConnector1">
+            <a:avLst/>
+          </a:prstGeom>
+          <a:ln w="19050">
+            <a:tailEnd type="triangle"/>
+          </a:ln>
+        </p:spPr>
+        <p:style>
+          <a:lnRef idx="1">
+            <a:schemeClr val="accent1"/>
+          </a:lnRef>
+          <a:fillRef idx="0">
+            <a:schemeClr val="accent1"/>
+          </a:fillRef>
+          <a:effectRef idx="0">
+            <a:schemeClr val="accent1"/>
+          </a:effectRef>
+          <a:fontRef idx="minor">
+            <a:schemeClr val="tx1"/>
+          </a:fontRef>
+        </p:style>
+      </p:cxnSp>
+      <p:sp>
+        <p:nvSpPr>
+          <p:cNvPr id="25" name="Ovaal 24"/>
+          <p:cNvSpPr/>
+          <p:nvPr/>
+        </p:nvSpPr>
+        <p:spPr>
+          <a:xfrm>
+            <a:off x="3268439" y="3030375"/>
+            <a:ext cx="534256" cy="513707"/>
+          </a:xfrm>
+          <a:prstGeom prst="ellipse">
+            <a:avLst/>
+          </a:prstGeom>
+        </p:spPr>
+        <p:style>
+          <a:lnRef idx="2">
+            <a:schemeClr val="accent6"/>
+          </a:lnRef>
+          <a:fillRef idx="1">
+            <a:schemeClr val="lt1"/>
+          </a:fillRef>
+          <a:effectRef idx="0">
+            <a:schemeClr val="accent6"/>
+          </a:effectRef>
+          <a:fontRef idx="minor">
+            <a:schemeClr val="dk1"/>
+          </a:fontRef>
+        </p:style>
+        <p:txBody>
+          <a:bodyPr lIns="36000" rIns="36000" rtlCol="0" anchor="ctr"/>
+          <a:lstStyle/>
+          <a:p>
+            <a:pPr algn="ctr"/>
+            <a:endParaRPr lang="nl-NL" sz="1000" dirty="0"/>
+          </a:p>
+        </p:txBody>
+      </p:sp>
+      <p:sp>
+        <p:nvSpPr>
+          <p:cNvPr id="35" name="Ovaal 34"/>
+          <p:cNvSpPr/>
+          <p:nvPr/>
+        </p:nvSpPr>
+        <p:spPr>
+          <a:xfrm>
+            <a:off x="3268439" y="3945896"/>
+            <a:ext cx="534256" cy="513707"/>
+          </a:xfrm>
+          <a:prstGeom prst="ellipse">
+            <a:avLst/>
+          </a:prstGeom>
+        </p:spPr>
+        <p:style>
+          <a:lnRef idx="2">
+            <a:schemeClr val="accent6"/>
+          </a:lnRef>
+          <a:fillRef idx="1">
+            <a:schemeClr val="lt1"/>
+          </a:fillRef>
+          <a:effectRef idx="0">
+            <a:schemeClr val="accent6"/>
+          </a:effectRef>
+          <a:fontRef idx="minor">
+            <a:schemeClr val="dk1"/>
+          </a:fontRef>
+        </p:style>
+        <p:txBody>
+          <a:bodyPr lIns="36000" rIns="36000" rtlCol="0" anchor="ctr"/>
+          <a:lstStyle/>
+          <a:p>
+            <a:pPr algn="ctr"/>
+            <a:endParaRPr lang="nl-NL" sz="1000" dirty="0"/>
+          </a:p>
+        </p:txBody>
+      </p:sp>
+      <p:sp>
+        <p:nvSpPr>
+          <p:cNvPr id="2" name="Tekstvak 1"/>
+          <p:cNvSpPr txBox="1"/>
+          <p:nvPr/>
+        </p:nvSpPr>
+        <p:spPr>
+          <a:xfrm>
+            <a:off x="5440995" y="1581371"/>
+            <a:ext cx="1233030" cy="369332"/>
+          </a:xfrm>
+          <a:prstGeom prst="rect">
+            <a:avLst/>
+          </a:prstGeom>
+          <a:noFill/>
+        </p:spPr>
+        <p:txBody>
+          <a:bodyPr wrap="none" rtlCol="0">
+            <a:spAutoFit/>
+          </a:bodyPr>
+          <a:lstStyle/>
+          <a:p>
+            <a:r>
+              <a:rPr lang="nl-NL" dirty="0" smtClean="0"/>
+              <a:t>fun2 x = do</a:t>
+            </a:r>
+            <a:endParaRPr lang="nl-NL" dirty="0"/>
+          </a:p>
+        </p:txBody>
+      </p:sp>
+      <p:sp>
+        <p:nvSpPr>
+          <p:cNvPr id="3" name="Tekstvak 2"/>
+          <p:cNvSpPr txBox="1"/>
+          <p:nvPr/>
+        </p:nvSpPr>
+        <p:spPr>
+          <a:xfrm>
+            <a:off x="5773619" y="2178719"/>
+            <a:ext cx="803425" cy="369332"/>
+          </a:xfrm>
+          <a:prstGeom prst="rect">
+            <a:avLst/>
+          </a:prstGeom>
+          <a:noFill/>
+        </p:spPr>
+        <p:txBody>
+          <a:bodyPr wrap="none" rtlCol="0">
+            <a:spAutoFit/>
+          </a:bodyPr>
+          <a:lstStyle/>
+          <a:p>
+            <a:r>
+              <a:rPr lang="nl-NL" dirty="0" smtClean="0"/>
+              <a:t>y &lt;- f x</a:t>
+            </a:r>
+            <a:endParaRPr lang="nl-NL" dirty="0"/>
+          </a:p>
+        </p:txBody>
+      </p:sp>
+      <p:sp>
+        <p:nvSpPr>
+          <p:cNvPr id="4" name="Tekstvak 3"/>
+          <p:cNvSpPr txBox="1"/>
+          <p:nvPr/>
+        </p:nvSpPr>
+        <p:spPr>
+          <a:xfrm>
+            <a:off x="5773619" y="3107299"/>
+            <a:ext cx="833883" cy="369332"/>
+          </a:xfrm>
+          <a:prstGeom prst="rect">
+            <a:avLst/>
+          </a:prstGeom>
+          <a:noFill/>
+        </p:spPr>
+        <p:txBody>
+          <a:bodyPr wrap="none" rtlCol="0">
+            <a:spAutoFit/>
+          </a:bodyPr>
+          <a:lstStyle/>
+          <a:p>
+            <a:r>
+              <a:rPr lang="nl-NL" dirty="0" err="1" smtClean="0"/>
+              <a:t>z</a:t>
+            </a:r>
+            <a:r>
+              <a:rPr lang="nl-NL" dirty="0" smtClean="0"/>
+              <a:t> &lt;- g y</a:t>
+            </a:r>
+            <a:endParaRPr lang="nl-NL" dirty="0"/>
+          </a:p>
+        </p:txBody>
+      </p:sp>
+      <p:sp>
+        <p:nvSpPr>
+          <p:cNvPr id="5" name="Tekstvak 4"/>
+          <p:cNvSpPr txBox="1"/>
+          <p:nvPr/>
+        </p:nvSpPr>
+        <p:spPr>
+          <a:xfrm>
+            <a:off x="5773619" y="4018082"/>
+            <a:ext cx="450764" cy="369332"/>
+          </a:xfrm>
+          <a:prstGeom prst="rect">
+            <a:avLst/>
+          </a:prstGeom>
+          <a:noFill/>
+        </p:spPr>
+        <p:txBody>
+          <a:bodyPr wrap="none" rtlCol="0">
+            <a:spAutoFit/>
+          </a:bodyPr>
+          <a:lstStyle/>
+          <a:p>
+            <a:r>
+              <a:rPr lang="nl-NL" dirty="0"/>
+              <a:t>h</a:t>
+            </a:r>
+            <a:r>
+              <a:rPr lang="nl-NL" dirty="0" smtClean="0"/>
+              <a:t> </a:t>
+            </a:r>
+            <a:r>
+              <a:rPr lang="nl-NL" dirty="0" err="1" smtClean="0"/>
+              <a:t>z</a:t>
+            </a:r>
+            <a:endParaRPr lang="nl-NL" dirty="0"/>
+          </a:p>
+        </p:txBody>
+      </p:sp>
+      <p:cxnSp>
+        <p:nvCxnSpPr>
+          <p:cNvPr id="9" name="Kromme verbindingslijn 8"/>
+          <p:cNvCxnSpPr>
+            <a:stCxn id="18" idx="2"/>
+            <a:endCxn id="35" idx="2"/>
+          </p:cNvCxnSpPr>
+          <p:nvPr/>
+        </p:nvCxnSpPr>
+        <p:spPr>
+          <a:xfrm rot="10800000" flipV="1">
+            <a:off x="3268439" y="2363386"/>
+            <a:ext cx="590550" cy="1839364"/>
+          </a:xfrm>
+          <a:prstGeom prst="curvedConnector3">
+            <a:avLst>
+              <a:gd name="adj1" fmla="val 138710"/>
+            </a:avLst>
+          </a:prstGeom>
+          <a:ln w="19050">
+            <a:tailEnd type="triangle"/>
+          </a:ln>
+        </p:spPr>
+        <p:style>
+          <a:lnRef idx="1">
+            <a:schemeClr val="accent1"/>
+          </a:lnRef>
+          <a:fillRef idx="0">
+            <a:schemeClr val="accent1"/>
+          </a:fillRef>
+          <a:effectRef idx="0">
+            <a:schemeClr val="accent1"/>
+          </a:effectRef>
+          <a:fontRef idx="minor">
+            <a:schemeClr val="tx1"/>
+          </a:fontRef>
+        </p:style>
+      </p:cxnSp>
+      <p:cxnSp>
+        <p:nvCxnSpPr>
+          <p:cNvPr id="11" name="Rechte verbindingslijn met pijl 10"/>
+          <p:cNvCxnSpPr>
+            <a:stCxn id="12" idx="4"/>
+            <a:endCxn id="13" idx="0"/>
+          </p:cNvCxnSpPr>
+          <p:nvPr/>
+        </p:nvCxnSpPr>
+        <p:spPr>
+          <a:xfrm>
+            <a:off x="4854832" y="3544082"/>
+            <a:ext cx="0" cy="401814"/>
+          </a:xfrm>
+          <a:prstGeom prst="straightConnector1">
+            <a:avLst/>
+          </a:prstGeom>
+          <a:ln w="19050">
+            <a:tailEnd type="triangle"/>
+          </a:ln>
+        </p:spPr>
+        <p:style>
+          <a:lnRef idx="1">
+            <a:schemeClr val="accent1"/>
+          </a:lnRef>
+          <a:fillRef idx="0">
+            <a:schemeClr val="accent1"/>
+          </a:fillRef>
+          <a:effectRef idx="0">
+            <a:schemeClr val="accent1"/>
+          </a:effectRef>
+          <a:fontRef idx="minor">
+            <a:schemeClr val="tx1"/>
+          </a:fontRef>
+        </p:style>
+      </p:cxnSp>
+      <p:sp>
+        <p:nvSpPr>
+          <p:cNvPr id="12" name="Ovaal 11"/>
+          <p:cNvSpPr/>
+          <p:nvPr/>
+        </p:nvSpPr>
+        <p:spPr>
+          <a:xfrm>
+            <a:off x="4587704" y="3030375"/>
+            <a:ext cx="534256" cy="513707"/>
+          </a:xfrm>
+          <a:prstGeom prst="ellipse">
+            <a:avLst/>
+          </a:prstGeom>
+        </p:spPr>
+        <p:style>
+          <a:lnRef idx="2">
+            <a:schemeClr val="accent6"/>
+          </a:lnRef>
+          <a:fillRef idx="1">
+            <a:schemeClr val="lt1"/>
+          </a:fillRef>
+          <a:effectRef idx="0">
+            <a:schemeClr val="accent6"/>
+          </a:effectRef>
+          <a:fontRef idx="minor">
+            <a:schemeClr val="dk1"/>
+          </a:fontRef>
+        </p:style>
+        <p:txBody>
+          <a:bodyPr lIns="36000" rIns="36000" rtlCol="0" anchor="ctr"/>
+          <a:lstStyle/>
+          <a:p>
+            <a:pPr algn="ctr"/>
+            <a:endParaRPr lang="nl-NL" sz="1000" dirty="0"/>
+          </a:p>
+        </p:txBody>
+      </p:sp>
+      <p:sp>
+        <p:nvSpPr>
+          <p:cNvPr id="13" name="Ovaal 12"/>
+          <p:cNvSpPr/>
+          <p:nvPr/>
+        </p:nvSpPr>
+        <p:spPr>
+          <a:xfrm>
+            <a:off x="4587704" y="3945896"/>
+            <a:ext cx="534256" cy="513707"/>
+          </a:xfrm>
+          <a:prstGeom prst="ellipse">
+            <a:avLst/>
+          </a:prstGeom>
+        </p:spPr>
+        <p:style>
+          <a:lnRef idx="2">
+            <a:schemeClr val="accent6"/>
+          </a:lnRef>
+          <a:fillRef idx="1">
+            <a:schemeClr val="lt1"/>
+          </a:fillRef>
+          <a:effectRef idx="0">
+            <a:schemeClr val="accent6"/>
+          </a:effectRef>
+          <a:fontRef idx="minor">
+            <a:schemeClr val="dk1"/>
+          </a:fontRef>
+        </p:style>
+        <p:txBody>
+          <a:bodyPr lIns="36000" rIns="36000" rtlCol="0" anchor="ctr"/>
+          <a:lstStyle/>
+          <a:p>
+            <a:pPr algn="ctr"/>
+            <a:endParaRPr lang="nl-NL" sz="1000" dirty="0"/>
+          </a:p>
+        </p:txBody>
+      </p:sp>
+      <p:cxnSp>
+        <p:nvCxnSpPr>
+          <p:cNvPr id="14" name="Kromme verbindingslijn 13"/>
+          <p:cNvCxnSpPr>
+            <a:stCxn id="18" idx="6"/>
+            <a:endCxn id="13" idx="6"/>
+          </p:cNvCxnSpPr>
+          <p:nvPr/>
+        </p:nvCxnSpPr>
+        <p:spPr>
+          <a:xfrm>
+            <a:off x="4393245" y="2363386"/>
+            <a:ext cx="728715" cy="1839364"/>
+          </a:xfrm>
+          <a:prstGeom prst="curvedConnector3">
+            <a:avLst>
+              <a:gd name="adj1" fmla="val 131370"/>
+            </a:avLst>
+          </a:prstGeom>
+          <a:ln w="19050">
+            <a:tailEnd type="triangle"/>
+          </a:ln>
+        </p:spPr>
+        <p:style>
+          <a:lnRef idx="1">
+            <a:schemeClr val="accent1"/>
+          </a:lnRef>
+          <a:fillRef idx="0">
+            <a:schemeClr val="accent1"/>
+          </a:fillRef>
+          <a:effectRef idx="0">
+            <a:schemeClr val="accent1"/>
+          </a:effectRef>
+          <a:fontRef idx="minor">
+            <a:schemeClr val="tx1"/>
+          </a:fontRef>
+        </p:style>
+      </p:cxnSp>
+      <p:sp>
+        <p:nvSpPr>
+          <p:cNvPr id="17" name="Tekstvak 16"/>
+          <p:cNvSpPr txBox="1"/>
+          <p:nvPr/>
+        </p:nvSpPr>
+        <p:spPr>
+          <a:xfrm>
+            <a:off x="1642904" y="1581371"/>
+            <a:ext cx="1233030" cy="369332"/>
+          </a:xfrm>
+          <a:prstGeom prst="rect">
+            <a:avLst/>
+          </a:prstGeom>
+          <a:noFill/>
+        </p:spPr>
+        <p:txBody>
+          <a:bodyPr wrap="none" rtlCol="0">
+            <a:spAutoFit/>
+          </a:bodyPr>
+          <a:lstStyle/>
+          <a:p>
+            <a:r>
+              <a:rPr lang="nl-NL" dirty="0" smtClean="0"/>
+              <a:t>fun1 x = do</a:t>
+            </a:r>
+            <a:endParaRPr lang="nl-NL" dirty="0"/>
+          </a:p>
+        </p:txBody>
+      </p:sp>
+      <p:sp>
+        <p:nvSpPr>
+          <p:cNvPr id="19" name="Tekstvak 18"/>
+          <p:cNvSpPr txBox="1"/>
+          <p:nvPr/>
+        </p:nvSpPr>
+        <p:spPr>
+          <a:xfrm>
+            <a:off x="1975528" y="2178719"/>
+            <a:ext cx="803425" cy="369332"/>
+          </a:xfrm>
+          <a:prstGeom prst="rect">
+            <a:avLst/>
+          </a:prstGeom>
+          <a:noFill/>
+        </p:spPr>
+        <p:txBody>
+          <a:bodyPr wrap="none" rtlCol="0">
+            <a:spAutoFit/>
+          </a:bodyPr>
+          <a:lstStyle/>
+          <a:p>
+            <a:r>
+              <a:rPr lang="nl-NL" dirty="0" smtClean="0"/>
+              <a:t>y &lt;- f x</a:t>
+            </a:r>
+            <a:endParaRPr lang="nl-NL" dirty="0"/>
+          </a:p>
+        </p:txBody>
+      </p:sp>
+      <p:sp>
+        <p:nvSpPr>
+          <p:cNvPr id="20" name="Tekstvak 19"/>
+          <p:cNvSpPr txBox="1"/>
+          <p:nvPr/>
+        </p:nvSpPr>
+        <p:spPr>
+          <a:xfrm>
+            <a:off x="1975528" y="3107299"/>
+            <a:ext cx="846707" cy="369332"/>
+          </a:xfrm>
+          <a:prstGeom prst="rect">
+            <a:avLst/>
+          </a:prstGeom>
+          <a:noFill/>
+        </p:spPr>
+        <p:txBody>
+          <a:bodyPr wrap="none" rtlCol="0">
+            <a:spAutoFit/>
+          </a:bodyPr>
+          <a:lstStyle/>
+          <a:p>
+            <a:r>
+              <a:rPr lang="nl-NL" dirty="0" err="1" smtClean="0"/>
+              <a:t>z</a:t>
+            </a:r>
+            <a:r>
+              <a:rPr lang="nl-NL" dirty="0" smtClean="0"/>
+              <a:t> &lt;- p y</a:t>
+            </a:r>
+            <a:endParaRPr lang="nl-NL" dirty="0"/>
+          </a:p>
+        </p:txBody>
+      </p:sp>
+      <p:sp>
+        <p:nvSpPr>
+          <p:cNvPr id="21" name="Tekstvak 20"/>
+          <p:cNvSpPr txBox="1"/>
+          <p:nvPr/>
+        </p:nvSpPr>
+        <p:spPr>
+          <a:xfrm>
+            <a:off x="1975528" y="4018082"/>
+            <a:ext cx="450764" cy="369332"/>
+          </a:xfrm>
+          <a:prstGeom prst="rect">
+            <a:avLst/>
+          </a:prstGeom>
+          <a:noFill/>
+        </p:spPr>
+        <p:txBody>
+          <a:bodyPr wrap="none" rtlCol="0">
+            <a:spAutoFit/>
+          </a:bodyPr>
+          <a:lstStyle/>
+          <a:p>
+            <a:r>
+              <a:rPr lang="nl-NL" dirty="0" smtClean="0"/>
+              <a:t>q </a:t>
+            </a:r>
+            <a:r>
+              <a:rPr lang="nl-NL" dirty="0" err="1" smtClean="0"/>
+              <a:t>z</a:t>
+            </a:r>
+            <a:endParaRPr lang="nl-NL" dirty="0"/>
+          </a:p>
+        </p:txBody>
+      </p:sp>
+      <p:sp>
+        <p:nvSpPr>
+          <p:cNvPr id="22" name="Tekstvak 21"/>
+          <p:cNvSpPr txBox="1"/>
+          <p:nvPr/>
+        </p:nvSpPr>
+        <p:spPr>
+          <a:xfrm>
+            <a:off x="4804760" y="3520325"/>
+            <a:ext cx="498855" cy="369332"/>
+          </a:xfrm>
+          <a:prstGeom prst="rect">
+            <a:avLst/>
+          </a:prstGeom>
+          <a:noFill/>
+        </p:spPr>
+        <p:txBody>
+          <a:bodyPr wrap="none" rtlCol="0">
+            <a:spAutoFit/>
+          </a:bodyPr>
+          <a:lstStyle/>
+          <a:p>
+            <a:r>
+              <a:rPr lang="nl-NL" dirty="0" smtClean="0"/>
+              <a:t>“h”</a:t>
+            </a:r>
+            <a:endParaRPr lang="nl-NL" dirty="0"/>
+          </a:p>
+        </p:txBody>
+      </p:sp>
+      <p:sp>
+        <p:nvSpPr>
+          <p:cNvPr id="24" name="Tekstvak 23"/>
+          <p:cNvSpPr txBox="1"/>
+          <p:nvPr/>
+        </p:nvSpPr>
+        <p:spPr>
+          <a:xfrm>
+            <a:off x="3086783" y="3520325"/>
+            <a:ext cx="488467" cy="369332"/>
+          </a:xfrm>
+          <a:prstGeom prst="rect">
+            <a:avLst/>
+          </a:prstGeom>
+          <a:noFill/>
+        </p:spPr>
+        <p:txBody>
+          <a:bodyPr wrap="none" rtlCol="0">
+            <a:spAutoFit/>
+          </a:bodyPr>
+          <a:lstStyle/>
+          <a:p>
+            <a:r>
+              <a:rPr lang="nl-NL" dirty="0" smtClean="0"/>
+              <a:t>“q”</a:t>
+            </a:r>
+            <a:endParaRPr lang="nl-NL" dirty="0"/>
+          </a:p>
+        </p:txBody>
+      </p:sp>
+      <p:sp>
+        <p:nvSpPr>
+          <p:cNvPr id="37" name="Tekstvak 36"/>
+          <p:cNvSpPr txBox="1"/>
+          <p:nvPr/>
+        </p:nvSpPr>
+        <p:spPr>
+          <a:xfrm>
+            <a:off x="2779970" y="2654824"/>
+            <a:ext cx="377026" cy="369332"/>
+          </a:xfrm>
+          <a:prstGeom prst="rect">
+            <a:avLst/>
+          </a:prstGeom>
+          <a:noFill/>
+        </p:spPr>
+        <p:txBody>
+          <a:bodyPr wrap="none" rtlCol="0">
+            <a:spAutoFit/>
+          </a:bodyPr>
+          <a:lstStyle/>
+          <a:p>
+            <a:r>
+              <a:rPr lang="nl-NL" dirty="0" smtClean="0"/>
+              <a:t>“”</a:t>
+            </a:r>
+            <a:endParaRPr lang="nl-NL" dirty="0"/>
+          </a:p>
+        </p:txBody>
+      </p:sp>
+      <p:sp>
+        <p:nvSpPr>
+          <p:cNvPr id="38" name="Tekstvak 37"/>
+          <p:cNvSpPr txBox="1"/>
+          <p:nvPr/>
+        </p:nvSpPr>
+        <p:spPr>
+          <a:xfrm>
+            <a:off x="5127906" y="2654824"/>
+            <a:ext cx="377026" cy="369332"/>
+          </a:xfrm>
+          <a:prstGeom prst="rect">
+            <a:avLst/>
+          </a:prstGeom>
+          <a:noFill/>
+        </p:spPr>
+        <p:txBody>
+          <a:bodyPr wrap="none" rtlCol="0">
+            <a:spAutoFit/>
+          </a:bodyPr>
+          <a:lstStyle/>
+          <a:p>
+            <a:r>
+              <a:rPr lang="nl-NL" smtClean="0"/>
+              <a:t>“”</a:t>
+            </a:r>
+            <a:endParaRPr lang="nl-NL" dirty="0"/>
+          </a:p>
+        </p:txBody>
+      </p:sp>
+    </p:spTree>
+    <p:extLst>
+      <p:ext uri="{BB962C8B-B14F-4D97-AF65-F5344CB8AC3E}">
+        <p14:creationId xmlns:p14="http://schemas.microsoft.com/office/powerpoint/2010/main" val="1162683073"/>
+      </p:ext>
+    </p:extLst>
+  </p:cSld>
+  <p:clrMapOvr>
+    <a:masterClrMapping/>
+  </p:clrMapOvr>
+</p:sld>
+</file>
+
+<file path=ppt/slides/slide8.xml><?xml version="1.0" encoding="utf-8"?>
+<p:sld xmlns:a="http://schemas.openxmlformats.org/drawingml/2006/main" xmlns:r="http://schemas.openxmlformats.org/officeDocument/2006/relationships" xmlns:p="http://schemas.openxmlformats.org/presentationml/2006/main">
+  <p:cSld>
+    <p:spTree>
+      <p:nvGrpSpPr>
+        <p:cNvPr id="1" name=""/>
+        <p:cNvGrpSpPr/>
+        <p:nvPr/>
+      </p:nvGrpSpPr>
+      <p:grpSpPr>
+        <a:xfrm>
+          <a:off x="0" y="0"/>
+          <a:ext cx="0" cy="0"/>
+          <a:chOff x="0" y="0"/>
+          <a:chExt cx="0" cy="0"/>
+        </a:xfrm>
+      </p:grpSpPr>
+      <p:sp>
+        <p:nvSpPr>
+          <p:cNvPr id="18" name="Ovaal 17"/>
+          <p:cNvSpPr/>
+          <p:nvPr/>
+        </p:nvSpPr>
+        <p:spPr>
+          <a:xfrm>
+            <a:off x="2106389" y="2106532"/>
+            <a:ext cx="534256" cy="513707"/>
+          </a:xfrm>
+          <a:prstGeom prst="ellipse">
+            <a:avLst/>
+          </a:prstGeom>
+        </p:spPr>
+        <p:style>
+          <a:lnRef idx="2">
+            <a:schemeClr val="accent6"/>
+          </a:lnRef>
+          <a:fillRef idx="1">
+            <a:schemeClr val="lt1"/>
+          </a:fillRef>
+          <a:effectRef idx="0">
+            <a:schemeClr val="accent6"/>
+          </a:effectRef>
+          <a:fontRef idx="minor">
+            <a:schemeClr val="dk1"/>
+          </a:fontRef>
+        </p:style>
+        <p:txBody>
+          <a:bodyPr lIns="36000" rIns="36000" rtlCol="0" anchor="ctr"/>
+          <a:lstStyle/>
+          <a:p>
+            <a:pPr algn="ctr"/>
+            <a:r>
+              <a:rPr lang="nl-NL" sz="1000" dirty="0" smtClean="0"/>
+              <a:t>f  a</a:t>
+            </a:r>
+            <a:endParaRPr lang="nl-NL" sz="1000" dirty="0"/>
+          </a:p>
+        </p:txBody>
+      </p:sp>
+      <p:cxnSp>
+        <p:nvCxnSpPr>
+          <p:cNvPr id="23" name="Rechte verbindingslijn met pijl 22"/>
+          <p:cNvCxnSpPr>
+            <a:stCxn id="25" idx="4"/>
+            <a:endCxn id="35" idx="0"/>
+          </p:cNvCxnSpPr>
+          <p:nvPr/>
+        </p:nvCxnSpPr>
+        <p:spPr>
+          <a:xfrm>
+            <a:off x="2373517" y="3544082"/>
+            <a:ext cx="0" cy="401814"/>
+          </a:xfrm>
+          <a:prstGeom prst="straightConnector1">
+            <a:avLst/>
+          </a:prstGeom>
+          <a:ln w="19050">
+            <a:tailEnd type="triangle"/>
+          </a:ln>
+        </p:spPr>
+        <p:style>
+          <a:lnRef idx="1">
+            <a:schemeClr val="accent1"/>
+          </a:lnRef>
+          <a:fillRef idx="0">
+            <a:schemeClr val="accent1"/>
+          </a:fillRef>
+          <a:effectRef idx="0">
+            <a:schemeClr val="accent1"/>
+          </a:effectRef>
+          <a:fontRef idx="minor">
+            <a:schemeClr val="tx1"/>
+          </a:fontRef>
+        </p:style>
+      </p:cxnSp>
+      <p:sp>
+        <p:nvSpPr>
+          <p:cNvPr id="25" name="Ovaal 24"/>
+          <p:cNvSpPr/>
+          <p:nvPr/>
+        </p:nvSpPr>
+        <p:spPr>
+          <a:xfrm>
+            <a:off x="2106389" y="3030375"/>
+            <a:ext cx="534256" cy="513707"/>
+          </a:xfrm>
+          <a:prstGeom prst="ellipse">
+            <a:avLst/>
+          </a:prstGeom>
+        </p:spPr>
+        <p:style>
+          <a:lnRef idx="2">
+            <a:schemeClr val="accent6"/>
+          </a:lnRef>
+          <a:fillRef idx="1">
+            <a:schemeClr val="lt1"/>
+          </a:fillRef>
+          <a:effectRef idx="0">
+            <a:schemeClr val="accent6"/>
+          </a:effectRef>
+          <a:fontRef idx="minor">
+            <a:schemeClr val="dk1"/>
+          </a:fontRef>
+        </p:style>
+        <p:txBody>
+          <a:bodyPr lIns="36000" rIns="36000" rtlCol="0" anchor="ctr"/>
+          <a:lstStyle/>
+          <a:p>
+            <a:pPr algn="ctr"/>
+            <a:endParaRPr lang="nl-NL" sz="1000" dirty="0"/>
+          </a:p>
+        </p:txBody>
+      </p:sp>
+      <p:sp>
+        <p:nvSpPr>
+          <p:cNvPr id="35" name="Ovaal 34"/>
+          <p:cNvSpPr/>
+          <p:nvPr/>
+        </p:nvSpPr>
+        <p:spPr>
+          <a:xfrm>
+            <a:off x="2106389" y="3945896"/>
+            <a:ext cx="534256" cy="513707"/>
+          </a:xfrm>
+          <a:prstGeom prst="ellipse">
+            <a:avLst/>
+          </a:prstGeom>
+        </p:spPr>
+        <p:style>
+          <a:lnRef idx="2">
+            <a:schemeClr val="accent6"/>
+          </a:lnRef>
+          <a:fillRef idx="1">
+            <a:schemeClr val="lt1"/>
+          </a:fillRef>
+          <a:effectRef idx="0">
+            <a:schemeClr val="accent6"/>
+          </a:effectRef>
+          <a:fontRef idx="minor">
+            <a:schemeClr val="dk1"/>
+          </a:fontRef>
+        </p:style>
+        <p:txBody>
+          <a:bodyPr lIns="36000" rIns="36000" rtlCol="0" anchor="ctr"/>
+          <a:lstStyle/>
+          <a:p>
+            <a:pPr algn="ctr"/>
+            <a:endParaRPr lang="nl-NL" sz="1000" dirty="0"/>
+          </a:p>
+        </p:txBody>
+      </p:sp>
+      <p:sp>
+        <p:nvSpPr>
+          <p:cNvPr id="2" name="Tekstvak 1"/>
+          <p:cNvSpPr txBox="1"/>
+          <p:nvPr/>
+        </p:nvSpPr>
+        <p:spPr>
+          <a:xfrm>
+            <a:off x="1468012" y="1592240"/>
+            <a:ext cx="1811009" cy="369332"/>
+          </a:xfrm>
+          <a:prstGeom prst="rect">
+            <a:avLst/>
+          </a:prstGeom>
+          <a:noFill/>
+        </p:spPr>
+        <p:txBody>
+          <a:bodyPr wrap="none" rtlCol="0">
+            <a:spAutoFit/>
+          </a:bodyPr>
+          <a:lstStyle/>
+          <a:p>
+            <a:r>
+              <a:rPr lang="nl-NL" dirty="0" smtClean="0"/>
+              <a:t>f &gt;=&gt; (g &gt;==&gt; h) a</a:t>
+            </a:r>
+            <a:endParaRPr lang="nl-NL" dirty="0"/>
+          </a:p>
+        </p:txBody>
+      </p:sp>
+      <p:cxnSp>
+        <p:nvCxnSpPr>
+          <p:cNvPr id="9" name="Kromme verbindingslijn 8"/>
+          <p:cNvCxnSpPr>
+            <a:stCxn id="18" idx="2"/>
+            <a:endCxn id="35" idx="2"/>
+          </p:cNvCxnSpPr>
+          <p:nvPr/>
+        </p:nvCxnSpPr>
+        <p:spPr>
+          <a:xfrm rot="10800000" flipV="1">
+            <a:off x="2106389" y="2363386"/>
+            <a:ext cx="12700" cy="1839364"/>
+          </a:xfrm>
+          <a:prstGeom prst="curvedConnector3">
+            <a:avLst>
+              <a:gd name="adj1" fmla="val 1800000"/>
+            </a:avLst>
+          </a:prstGeom>
+          <a:ln w="19050">
+            <a:tailEnd type="triangle"/>
+          </a:ln>
+        </p:spPr>
+        <p:style>
+          <a:lnRef idx="1">
+            <a:schemeClr val="accent1"/>
+          </a:lnRef>
+          <a:fillRef idx="0">
+            <a:schemeClr val="accent1"/>
+          </a:fillRef>
+          <a:effectRef idx="0">
+            <a:schemeClr val="accent1"/>
+          </a:effectRef>
+          <a:fontRef idx="minor">
+            <a:schemeClr val="tx1"/>
+          </a:fontRef>
+        </p:style>
+      </p:cxnSp>
+      <p:sp>
+        <p:nvSpPr>
+          <p:cNvPr id="11" name="Tekstvak 10"/>
+          <p:cNvSpPr txBox="1"/>
+          <p:nvPr/>
+        </p:nvSpPr>
+        <p:spPr>
+          <a:xfrm>
+            <a:off x="2415263" y="3560323"/>
+            <a:ext cx="498855" cy="369332"/>
+          </a:xfrm>
+          <a:prstGeom prst="rect">
+            <a:avLst/>
+          </a:prstGeom>
+          <a:noFill/>
+        </p:spPr>
+        <p:txBody>
+          <a:bodyPr wrap="none" rtlCol="0">
+            <a:spAutoFit/>
+          </a:bodyPr>
+          <a:lstStyle/>
+          <a:p>
+            <a:r>
+              <a:rPr lang="nl-NL" dirty="0" smtClean="0"/>
+              <a:t>“h”</a:t>
+            </a:r>
+            <a:endParaRPr lang="nl-NL" dirty="0"/>
+          </a:p>
+        </p:txBody>
+      </p:sp>
+      <p:sp>
+        <p:nvSpPr>
+          <p:cNvPr id="12" name="Tekstvak 11"/>
+          <p:cNvSpPr txBox="1"/>
+          <p:nvPr/>
+        </p:nvSpPr>
+        <p:spPr>
+          <a:xfrm>
+            <a:off x="1378626" y="3030375"/>
+            <a:ext cx="486030" cy="369332"/>
+          </a:xfrm>
+          <a:prstGeom prst="rect">
+            <a:avLst/>
+          </a:prstGeom>
+          <a:noFill/>
+        </p:spPr>
+        <p:txBody>
+          <a:bodyPr wrap="none" rtlCol="0">
+            <a:spAutoFit/>
+          </a:bodyPr>
+          <a:lstStyle/>
+          <a:p>
+            <a:r>
+              <a:rPr lang="nl-NL" dirty="0" smtClean="0"/>
+              <a:t>“g”</a:t>
+            </a:r>
+            <a:endParaRPr lang="nl-NL" dirty="0"/>
+          </a:p>
+        </p:txBody>
+      </p:sp>
+    </p:spTree>
+    <p:extLst>
+      <p:ext uri="{BB962C8B-B14F-4D97-AF65-F5344CB8AC3E}">
+        <p14:creationId xmlns:p14="http://schemas.microsoft.com/office/powerpoint/2010/main" val="384334019"/>
       </p:ext>
     </p:extLst>
   </p:cSld>

--- a/Afbeeldingen LocationT.pptx
+++ b/Afbeeldingen LocationT.pptx
@@ -111,6 +111,11 @@
       </a:defRPr>
     </a:lvl9pPr>
   </p:defaultTextStyle>
+  <p:extLst>
+    <p:ext uri="{EFAFB233-063F-42B5-8137-9DF3F51BA10A}">
+      <p15:sldGuideLst xmlns:p15="http://schemas.microsoft.com/office/powerpoint/2012/main"/>
+    </p:ext>
+  </p:extLst>
 </p:presentation>
 </file>
 
@@ -245,7 +250,7 @@
           <a:p>
             <a:fld id="{6A6316AB-03D8-9A48-9E2A-A891F8EECEFB}" type="datetimeFigureOut">
               <a:rPr lang="nl-NL" smtClean="0"/>
-              <a:t>27-09-17</a:t>
+              <a:t>04-10-17</a:t>
             </a:fld>
             <a:endParaRPr lang="nl-NL"/>
           </a:p>
@@ -415,7 +420,7 @@
           <a:p>
             <a:fld id="{6A6316AB-03D8-9A48-9E2A-A891F8EECEFB}" type="datetimeFigureOut">
               <a:rPr lang="nl-NL" smtClean="0"/>
-              <a:t>27-09-17</a:t>
+              <a:t>04-10-17</a:t>
             </a:fld>
             <a:endParaRPr lang="nl-NL"/>
           </a:p>
@@ -595,7 +600,7 @@
           <a:p>
             <a:fld id="{6A6316AB-03D8-9A48-9E2A-A891F8EECEFB}" type="datetimeFigureOut">
               <a:rPr lang="nl-NL" smtClean="0"/>
-              <a:t>27-09-17</a:t>
+              <a:t>04-10-17</a:t>
             </a:fld>
             <a:endParaRPr lang="nl-NL"/>
           </a:p>
@@ -765,7 +770,7 @@
           <a:p>
             <a:fld id="{6A6316AB-03D8-9A48-9E2A-A891F8EECEFB}" type="datetimeFigureOut">
               <a:rPr lang="nl-NL" smtClean="0"/>
-              <a:t>27-09-17</a:t>
+              <a:t>04-10-17</a:t>
             </a:fld>
             <a:endParaRPr lang="nl-NL"/>
           </a:p>
@@ -1011,7 +1016,7 @@
           <a:p>
             <a:fld id="{6A6316AB-03D8-9A48-9E2A-A891F8EECEFB}" type="datetimeFigureOut">
               <a:rPr lang="nl-NL" smtClean="0"/>
-              <a:t>27-09-17</a:t>
+              <a:t>04-10-17</a:t>
             </a:fld>
             <a:endParaRPr lang="nl-NL"/>
           </a:p>
@@ -1243,7 +1248,7 @@
           <a:p>
             <a:fld id="{6A6316AB-03D8-9A48-9E2A-A891F8EECEFB}" type="datetimeFigureOut">
               <a:rPr lang="nl-NL" smtClean="0"/>
-              <a:t>27-09-17</a:t>
+              <a:t>04-10-17</a:t>
             </a:fld>
             <a:endParaRPr lang="nl-NL"/>
           </a:p>
@@ -1610,7 +1615,7 @@
           <a:p>
             <a:fld id="{6A6316AB-03D8-9A48-9E2A-A891F8EECEFB}" type="datetimeFigureOut">
               <a:rPr lang="nl-NL" smtClean="0"/>
-              <a:t>27-09-17</a:t>
+              <a:t>04-10-17</a:t>
             </a:fld>
             <a:endParaRPr lang="nl-NL"/>
           </a:p>
@@ -1728,7 +1733,7 @@
           <a:p>
             <a:fld id="{6A6316AB-03D8-9A48-9E2A-A891F8EECEFB}" type="datetimeFigureOut">
               <a:rPr lang="nl-NL" smtClean="0"/>
-              <a:t>27-09-17</a:t>
+              <a:t>04-10-17</a:t>
             </a:fld>
             <a:endParaRPr lang="nl-NL"/>
           </a:p>
@@ -1823,7 +1828,7 @@
           <a:p>
             <a:fld id="{6A6316AB-03D8-9A48-9E2A-A891F8EECEFB}" type="datetimeFigureOut">
               <a:rPr lang="nl-NL" smtClean="0"/>
-              <a:t>27-09-17</a:t>
+              <a:t>04-10-17</a:t>
             </a:fld>
             <a:endParaRPr lang="nl-NL"/>
           </a:p>
@@ -2100,7 +2105,7 @@
           <a:p>
             <a:fld id="{6A6316AB-03D8-9A48-9E2A-A891F8EECEFB}" type="datetimeFigureOut">
               <a:rPr lang="nl-NL" smtClean="0"/>
-              <a:t>27-09-17</a:t>
+              <a:t>04-10-17</a:t>
             </a:fld>
             <a:endParaRPr lang="nl-NL"/>
           </a:p>
@@ -2353,7 +2358,7 @@
           <a:p>
             <a:fld id="{6A6316AB-03D8-9A48-9E2A-A891F8EECEFB}" type="datetimeFigureOut">
               <a:rPr lang="nl-NL" smtClean="0"/>
-              <a:t>27-09-17</a:t>
+              <a:t>04-10-17</a:t>
             </a:fld>
             <a:endParaRPr lang="nl-NL"/>
           </a:p>
@@ -2566,7 +2571,7 @@
           <a:p>
             <a:fld id="{6A6316AB-03D8-9A48-9E2A-A891F8EECEFB}" type="datetimeFigureOut">
               <a:rPr lang="nl-NL" smtClean="0"/>
-              <a:t>27-09-17</a:t>
+              <a:t>04-10-17</a:t>
             </a:fld>
             <a:endParaRPr lang="nl-NL"/>
           </a:p>
@@ -3387,7 +3392,7 @@
         <p:spPr>
           <a:xfrm>
             <a:off x="3002599" y="3402944"/>
-            <a:ext cx="534121" cy="246221"/>
+            <a:ext cx="628698" cy="246221"/>
           </a:xfrm>
           <a:prstGeom prst="rect">
             <a:avLst/>
@@ -3405,12 +3410,16 @@
               <a:t>a</a:t>
             </a:r>
             <a:r>
-              <a:rPr lang="nl-NL" sz="1000" smtClean="0"/>
+              <a:rPr lang="nl-NL" sz="1000" dirty="0" err="1" smtClean="0"/>
               <a:t>pply</a:t>
             </a:r>
             <a:r>
               <a:rPr lang="nl-NL" sz="1000" dirty="0" smtClean="0"/>
-              <a:t> f</a:t>
+              <a:t> </a:t>
+            </a:r>
+            <a:r>
+              <a:rPr lang="nl-NL" sz="1000" dirty="0" smtClean="0"/>
+              <a:t>f 1</a:t>
             </a:r>
             <a:endParaRPr lang="nl-NL" sz="1000" dirty="0"/>
           </a:p>
@@ -3790,7 +3799,7 @@
         <p:spPr>
           <a:xfrm>
             <a:off x="3002599" y="4260032"/>
-            <a:ext cx="534121" cy="246221"/>
+            <a:ext cx="628698" cy="246221"/>
           </a:xfrm>
           <a:prstGeom prst="rect">
             <a:avLst/>
@@ -3808,12 +3817,16 @@
               <a:t>a</a:t>
             </a:r>
             <a:r>
-              <a:rPr lang="nl-NL" sz="1000" smtClean="0"/>
+              <a:rPr lang="nl-NL" sz="1000" dirty="0" err="1" smtClean="0"/>
               <a:t>pply</a:t>
             </a:r>
             <a:r>
               <a:rPr lang="nl-NL" sz="1000" dirty="0" smtClean="0"/>
-              <a:t> f</a:t>
+              <a:t> </a:t>
+            </a:r>
+            <a:r>
+              <a:rPr lang="nl-NL" sz="1000" dirty="0" smtClean="0"/>
+              <a:t>f 1</a:t>
             </a:r>
             <a:endParaRPr lang="nl-NL" sz="1000" dirty="0"/>
           </a:p>
@@ -4814,7 +4827,7 @@
         <p:spPr>
           <a:xfrm>
             <a:off x="951317" y="3614658"/>
-            <a:ext cx="777777" cy="246221"/>
+            <a:ext cx="843501" cy="246221"/>
           </a:xfrm>
           <a:prstGeom prst="rect">
             <a:avLst/>
@@ -4829,7 +4842,11 @@
           <a:p>
             <a:r>
               <a:rPr lang="nl-NL" sz="1000" dirty="0" smtClean="0"/>
-              <a:t>(+)&lt;$&gt;1&lt;*&gt;</a:t>
+              <a:t>(+)&lt;$&gt;1</a:t>
+            </a:r>
+            <a:r>
+              <a:rPr lang="nl-NL" sz="1000" dirty="0" smtClean="0"/>
+              <a:t>&lt;*&gt;2</a:t>
             </a:r>
             <a:endParaRPr lang="nl-NL" sz="1000" dirty="0"/>
           </a:p>
@@ -5002,7 +5019,7 @@
         <p:spPr>
           <a:xfrm>
             <a:off x="2409623" y="3574158"/>
-            <a:ext cx="777777" cy="246221"/>
+            <a:ext cx="843501" cy="246221"/>
           </a:xfrm>
           <a:prstGeom prst="rect">
             <a:avLst/>
@@ -5017,7 +5034,11 @@
           <a:p>
             <a:r>
               <a:rPr lang="nl-NL" sz="1000" dirty="0" smtClean="0"/>
-              <a:t>(+)&lt;$&gt;1&lt;*&gt;</a:t>
+              <a:t>(+)&lt;$&gt;1</a:t>
+            </a:r>
+            <a:r>
+              <a:rPr lang="nl-NL" sz="1000" dirty="0" smtClean="0"/>
+              <a:t>&lt;*&gt;2</a:t>
             </a:r>
             <a:endParaRPr lang="nl-NL" sz="1000" dirty="0"/>
           </a:p>
